--- a/ppt/Python21-Threading.pptx
+++ b/ppt/Python21-Threading.pptx
@@ -5,10 +5,10 @@
     <p:sldMasterId id="2147483653" r:id="rId1"/>
   </p:sldMasterIdLst>
   <p:notesMasterIdLst>
-    <p:notesMasterId r:id="rId14"/>
+    <p:notesMasterId r:id="rId8"/>
   </p:notesMasterIdLst>
   <p:handoutMasterIdLst>
-    <p:handoutMasterId r:id="rId15"/>
+    <p:handoutMasterId r:id="rId9"/>
   </p:handoutMasterIdLst>
   <p:sldIdLst>
     <p:sldId id="264" r:id="rId2"/>
@@ -16,13 +16,7 @@
     <p:sldId id="266" r:id="rId4"/>
     <p:sldId id="267" r:id="rId5"/>
     <p:sldId id="268" r:id="rId6"/>
-    <p:sldId id="270" r:id="rId7"/>
-    <p:sldId id="271" r:id="rId8"/>
-    <p:sldId id="273" r:id="rId9"/>
-    <p:sldId id="275" r:id="rId10"/>
-    <p:sldId id="274" r:id="rId11"/>
-    <p:sldId id="276" r:id="rId12"/>
-    <p:sldId id="272" r:id="rId13"/>
+    <p:sldId id="269" r:id="rId7"/>
   </p:sldIdLst>
   <p:sldSz cx="9144000" cy="6858000" type="screen4x3"/>
   <p:notesSz cx="6648450" cy="9782175"/>
@@ -3744,667 +3738,6 @@
 </p:sld>
 </file>
 
-<file path=ppt/slides/slide10.xml><?xml version="1.0" encoding="utf-8"?>
-<p:sld xmlns:a="http://schemas.openxmlformats.org/drawingml/2006/main" xmlns:r="http://schemas.openxmlformats.org/officeDocument/2006/relationships" xmlns:p="http://schemas.openxmlformats.org/presentationml/2006/main">
-  <p:cSld>
-    <p:spTree>
-      <p:nvGrpSpPr>
-        <p:cNvPr id="1" name=""/>
-        <p:cNvGrpSpPr/>
-        <p:nvPr/>
-      </p:nvGrpSpPr>
-      <p:grpSpPr>
-        <a:xfrm>
-          <a:off x="0" y="0"/>
-          <a:ext cx="0" cy="0"/>
-          <a:chOff x="0" y="0"/>
-          <a:chExt cx="0" cy="0"/>
-        </a:xfrm>
-      </p:grpSpPr>
-      <p:sp>
-        <p:nvSpPr>
-          <p:cNvPr id="2" name="Titre 1">
-            <a:extLst>
-              <a:ext uri="{FF2B5EF4-FFF2-40B4-BE49-F238E27FC236}">
-                <a16:creationId xmlns:a16="http://schemas.microsoft.com/office/drawing/2014/main" id="{1C2A9A5C-A404-4408-A390-3615E55F0F70}"/>
-              </a:ext>
-            </a:extLst>
-          </p:cNvPr>
-          <p:cNvSpPr>
-            <a:spLocks noGrp="1"/>
-          </p:cNvSpPr>
-          <p:nvPr>
-            <p:ph type="title"/>
-          </p:nvPr>
-        </p:nvSpPr>
-        <p:spPr/>
-        <p:txBody>
-          <a:bodyPr/>
-          <a:lstStyle/>
-          <a:p>
-            <a:r>
-              <a:rPr lang="fr-FR" dirty="0"/>
-              <a:t>Appels en cascade</a:t>
-            </a:r>
-          </a:p>
-        </p:txBody>
-      </p:sp>
-      <p:sp>
-        <p:nvSpPr>
-          <p:cNvPr id="3" name="Espace réservé du contenu 2">
-            <a:extLst>
-              <a:ext uri="{FF2B5EF4-FFF2-40B4-BE49-F238E27FC236}">
-                <a16:creationId xmlns:a16="http://schemas.microsoft.com/office/drawing/2014/main" id="{ACFFD4A2-81FC-4AC3-8973-8C6706520733}"/>
-              </a:ext>
-            </a:extLst>
-          </p:cNvPr>
-          <p:cNvSpPr>
-            <a:spLocks noGrp="1"/>
-          </p:cNvSpPr>
-          <p:nvPr>
-            <p:ph idx="1"/>
-          </p:nvPr>
-        </p:nvSpPr>
-        <p:spPr>
-          <a:xfrm>
-            <a:off x="179513" y="1412776"/>
-            <a:ext cx="4824536" cy="5040560"/>
-          </a:xfrm>
-        </p:spPr>
-        <p:txBody>
-          <a:bodyPr/>
-          <a:lstStyle/>
-          <a:p>
-            <a:r>
-              <a:rPr lang="fr-FR" dirty="0" err="1"/>
-              <a:t>Async</a:t>
-            </a:r>
-            <a:r>
-              <a:rPr lang="fr-FR" dirty="0"/>
-              <a:t> / </a:t>
-            </a:r>
-            <a:r>
-              <a:rPr lang="fr-FR" dirty="0" err="1"/>
-              <a:t>await</a:t>
-            </a:r>
-            <a:r>
-              <a:rPr lang="fr-FR" dirty="0"/>
-              <a:t> en cascade synchrone</a:t>
-            </a:r>
-          </a:p>
-          <a:p>
-            <a:r>
-              <a:rPr lang="fr-FR" dirty="0"/>
-              <a:t>Compatible liste en intention et générateur</a:t>
-            </a:r>
-          </a:p>
-          <a:p>
-            <a:pPr lvl="1"/>
-            <a:r>
-              <a:rPr lang="fr-FR" dirty="0"/>
-              <a:t>[i </a:t>
-            </a:r>
-            <a:r>
-              <a:rPr lang="fr-FR" dirty="0" err="1"/>
-              <a:t>async</a:t>
-            </a:r>
-            <a:r>
-              <a:rPr lang="fr-FR" dirty="0"/>
-              <a:t> for i in </a:t>
-            </a:r>
-            <a:r>
-              <a:rPr lang="fr-FR" dirty="0" err="1"/>
-              <a:t>iterator</a:t>
-            </a:r>
-            <a:r>
-              <a:rPr lang="fr-FR" dirty="0"/>
-              <a:t>];</a:t>
-            </a:r>
-          </a:p>
-          <a:p>
-            <a:endParaRPr lang="fr-FR" dirty="0"/>
-          </a:p>
-          <a:p>
-            <a:endParaRPr lang="fr-FR" dirty="0"/>
-          </a:p>
-        </p:txBody>
-      </p:sp>
-      <p:sp>
-        <p:nvSpPr>
-          <p:cNvPr id="5" name="Rectangle 1">
-            <a:extLst>
-              <a:ext uri="{FF2B5EF4-FFF2-40B4-BE49-F238E27FC236}">
-                <a16:creationId xmlns:a16="http://schemas.microsoft.com/office/drawing/2014/main" id="{339BEF08-ACD8-4290-B149-E35A45F47707}"/>
-              </a:ext>
-            </a:extLst>
-          </p:cNvPr>
-          <p:cNvSpPr>
-            <a:spLocks noChangeArrowheads="1"/>
-          </p:cNvSpPr>
-          <p:nvPr/>
-        </p:nvSpPr>
-        <p:spPr bwMode="auto">
-          <a:xfrm>
-            <a:off x="0" y="0"/>
-            <a:ext cx="9144000" cy="457200"/>
-          </a:xfrm>
-          <a:prstGeom prst="rect">
-            <a:avLst/>
-          </a:prstGeom>
-          <a:solidFill>
-            <a:srgbClr val="F9F9F9"/>
-          </a:solidFill>
-          <a:ln>
-            <a:noFill/>
-          </a:ln>
-          <a:effectLst/>
-          <a:extLst>
-            <a:ext uri="{91240B29-F687-4F45-9708-019B960494DF}">
-              <a14:hiddenLine xmlns:a14="http://schemas.microsoft.com/office/drawing/2010/main" w="9525">
-                <a:solidFill>
-                  <a:schemeClr val="tx1"/>
-                </a:solidFill>
-                <a:miter lim="800000"/>
-                <a:headEnd/>
-                <a:tailEnd/>
-              </a14:hiddenLine>
-            </a:ext>
-            <a:ext uri="{AF507438-7753-43E0-B8FC-AC1667EBCBE1}">
-              <a14:hiddenEffects xmlns:a14="http://schemas.microsoft.com/office/drawing/2010/main">
-                <a:effectLst>
-                  <a:outerShdw dist="35921" dir="2700000" algn="ctr" rotWithShape="0">
-                    <a:schemeClr val="bg2"/>
-                  </a:outerShdw>
-                </a:effectLst>
-              </a14:hiddenEffects>
-            </a:ext>
-          </a:extLst>
-        </p:spPr>
-        <p:txBody>
-          <a:bodyPr vert="horz" wrap="none" lIns="91440" tIns="45720" rIns="91440" bIns="45720" numCol="1" anchor="ctr" anchorCtr="0" compatLnSpc="1">
-            <a:prstTxWarp prst="textNoShape">
-              <a:avLst/>
-            </a:prstTxWarp>
-            <a:spAutoFit/>
-          </a:bodyPr>
-          <a:lstStyle>
-            <a:lvl1pPr eaLnBrk="0" hangingPunct="0">
-              <a:defRPr>
-                <a:solidFill>
-                  <a:schemeClr val="tx1"/>
-                </a:solidFill>
-                <a:latin typeface="Arial" panose="020B0604020202020204" pitchFamily="34" charset="0"/>
-              </a:defRPr>
-            </a:lvl1pPr>
-            <a:lvl2pPr eaLnBrk="0" hangingPunct="0">
-              <a:defRPr>
-                <a:solidFill>
-                  <a:schemeClr val="tx1"/>
-                </a:solidFill>
-                <a:latin typeface="Arial" panose="020B0604020202020204" pitchFamily="34" charset="0"/>
-              </a:defRPr>
-            </a:lvl2pPr>
-            <a:lvl3pPr eaLnBrk="0" hangingPunct="0">
-              <a:defRPr>
-                <a:solidFill>
-                  <a:schemeClr val="tx1"/>
-                </a:solidFill>
-                <a:latin typeface="Arial" panose="020B0604020202020204" pitchFamily="34" charset="0"/>
-              </a:defRPr>
-            </a:lvl3pPr>
-            <a:lvl4pPr eaLnBrk="0" hangingPunct="0">
-              <a:defRPr>
-                <a:solidFill>
-                  <a:schemeClr val="tx1"/>
-                </a:solidFill>
-                <a:latin typeface="Arial" panose="020B0604020202020204" pitchFamily="34" charset="0"/>
-              </a:defRPr>
-            </a:lvl4pPr>
-            <a:lvl5pPr eaLnBrk="0" hangingPunct="0">
-              <a:defRPr>
-                <a:solidFill>
-                  <a:schemeClr val="tx1"/>
-                </a:solidFill>
-                <a:latin typeface="Arial" panose="020B0604020202020204" pitchFamily="34" charset="0"/>
-              </a:defRPr>
-            </a:lvl5pPr>
-            <a:lvl6pPr eaLnBrk="0" fontAlgn="base" hangingPunct="0">
-              <a:spcBef>
-                <a:spcPct val="0"/>
-              </a:spcBef>
-              <a:spcAft>
-                <a:spcPct val="0"/>
-              </a:spcAft>
-              <a:defRPr>
-                <a:solidFill>
-                  <a:schemeClr val="tx1"/>
-                </a:solidFill>
-                <a:latin typeface="Arial" panose="020B0604020202020204" pitchFamily="34" charset="0"/>
-              </a:defRPr>
-            </a:lvl6pPr>
-            <a:lvl7pPr eaLnBrk="0" fontAlgn="base" hangingPunct="0">
-              <a:spcBef>
-                <a:spcPct val="0"/>
-              </a:spcBef>
-              <a:spcAft>
-                <a:spcPct val="0"/>
-              </a:spcAft>
-              <a:defRPr>
-                <a:solidFill>
-                  <a:schemeClr val="tx1"/>
-                </a:solidFill>
-                <a:latin typeface="Arial" panose="020B0604020202020204" pitchFamily="34" charset="0"/>
-              </a:defRPr>
-            </a:lvl7pPr>
-            <a:lvl8pPr eaLnBrk="0" fontAlgn="base" hangingPunct="0">
-              <a:spcBef>
-                <a:spcPct val="0"/>
-              </a:spcBef>
-              <a:spcAft>
-                <a:spcPct val="0"/>
-              </a:spcAft>
-              <a:defRPr>
-                <a:solidFill>
-                  <a:schemeClr val="tx1"/>
-                </a:solidFill>
-                <a:latin typeface="Arial" panose="020B0604020202020204" pitchFamily="34" charset="0"/>
-              </a:defRPr>
-            </a:lvl8pPr>
-            <a:lvl9pPr eaLnBrk="0" fontAlgn="base" hangingPunct="0">
-              <a:spcBef>
-                <a:spcPct val="0"/>
-              </a:spcBef>
-              <a:spcAft>
-                <a:spcPct val="0"/>
-              </a:spcAft>
-              <a:defRPr>
-                <a:solidFill>
-                  <a:schemeClr val="tx1"/>
-                </a:solidFill>
-                <a:latin typeface="Arial" panose="020B0604020202020204" pitchFamily="34" charset="0"/>
-              </a:defRPr>
-            </a:lvl9pPr>
-          </a:lstStyle>
-          <a:p>
-            <a:pPr marL="0" marR="0" lvl="0" indent="0" algn="l" defTabSz="914400" rtl="0" eaLnBrk="0" fontAlgn="base" latinLnBrk="0" hangingPunct="0">
-              <a:lnSpc>
-                <a:spcPct val="100000"/>
-              </a:lnSpc>
-              <a:spcBef>
-                <a:spcPct val="0"/>
-              </a:spcBef>
-              <a:spcAft>
-                <a:spcPct val="0"/>
-              </a:spcAft>
-              <a:buClrTx/>
-              <a:buSzTx/>
-              <a:buFontTx/>
-              <a:buNone/>
-              <a:tabLst/>
-            </a:pPr>
-            <a:r>
-              <a:rPr kumimoji="0" lang="fr-FR" altLang="fr-FR" sz="1000" b="0" i="0" u="none" strike="noStrike" cap="none" normalizeH="0" baseline="0">
-                <a:ln>
-                  <a:noFill/>
-                </a:ln>
-                <a:solidFill>
-                  <a:srgbClr val="444444"/>
-                </a:solidFill>
-                <a:effectLst/>
-                <a:latin typeface="Arial Unicode MS"/>
-              </a:rPr>
-              <a:t>[i async for i in agen()]</a:t>
-            </a:r>
-            <a:r>
-              <a:rPr kumimoji="0" lang="fr-FR" altLang="fr-FR" sz="1100" b="0" i="0" u="none" strike="noStrike" cap="none" normalizeH="0" baseline="0">
-                <a:ln>
-                  <a:noFill/>
-                </a:ln>
-                <a:solidFill>
-                  <a:srgbClr val="444444"/>
-                </a:solidFill>
-                <a:effectLst/>
-                <a:latin typeface="SourceSansProRegular"/>
-              </a:rPr>
-              <a:t>;</a:t>
-            </a:r>
-            <a:r>
-              <a:rPr kumimoji="0" lang="fr-FR" altLang="fr-FR" sz="600" b="0" i="0" u="none" strike="noStrike" cap="none" normalizeH="0" baseline="0">
-                <a:ln>
-                  <a:noFill/>
-                </a:ln>
-                <a:solidFill>
-                  <a:schemeClr val="tx1"/>
-                </a:solidFill>
-                <a:effectLst/>
-              </a:rPr>
-              <a:t> </a:t>
-            </a:r>
-            <a:endParaRPr kumimoji="0" lang="fr-FR" altLang="fr-FR" sz="1800" b="0" i="0" u="none" strike="noStrike" cap="none" normalizeH="0" baseline="0">
-              <a:ln>
-                <a:noFill/>
-              </a:ln>
-              <a:solidFill>
-                <a:schemeClr val="tx1"/>
-              </a:solidFill>
-              <a:effectLst/>
-              <a:latin typeface="Arial" panose="020B0604020202020204" pitchFamily="34" charset="0"/>
-            </a:endParaRPr>
-          </a:p>
-        </p:txBody>
-      </p:sp>
-      <p:pic>
-        <p:nvPicPr>
-          <p:cNvPr id="6" name="Image 5">
-            <a:extLst>
-              <a:ext uri="{FF2B5EF4-FFF2-40B4-BE49-F238E27FC236}">
-                <a16:creationId xmlns:a16="http://schemas.microsoft.com/office/drawing/2014/main" id="{F140D4F3-E575-479F-A7E5-AC6D23E3FE72}"/>
-              </a:ext>
-            </a:extLst>
-          </p:cNvPr>
-          <p:cNvPicPr>
-            <a:picLocks noChangeAspect="1"/>
-          </p:cNvPicPr>
-          <p:nvPr/>
-        </p:nvPicPr>
-        <p:blipFill>
-          <a:blip r:embed="rId2"/>
-          <a:stretch>
-            <a:fillRect/>
-          </a:stretch>
-        </p:blipFill>
-        <p:spPr>
-          <a:xfrm>
-            <a:off x="5220072" y="1628800"/>
-            <a:ext cx="2895600" cy="3524250"/>
-          </a:xfrm>
-          <a:prstGeom prst="rect">
-            <a:avLst/>
-          </a:prstGeom>
-        </p:spPr>
-      </p:pic>
-      <p:pic>
-        <p:nvPicPr>
-          <p:cNvPr id="7" name="Image 6">
-            <a:extLst>
-              <a:ext uri="{FF2B5EF4-FFF2-40B4-BE49-F238E27FC236}">
-                <a16:creationId xmlns:a16="http://schemas.microsoft.com/office/drawing/2014/main" id="{94C5C25A-55F8-495B-9C4F-3D0719B5A26F}"/>
-              </a:ext>
-            </a:extLst>
-          </p:cNvPr>
-          <p:cNvPicPr>
-            <a:picLocks noChangeAspect="1"/>
-          </p:cNvPicPr>
-          <p:nvPr/>
-        </p:nvPicPr>
-        <p:blipFill>
-          <a:blip r:embed="rId3"/>
-          <a:stretch>
-            <a:fillRect/>
-          </a:stretch>
-        </p:blipFill>
-        <p:spPr>
-          <a:xfrm>
-            <a:off x="5220072" y="5430378"/>
-            <a:ext cx="2733675" cy="390525"/>
-          </a:xfrm>
-          <a:prstGeom prst="rect">
-            <a:avLst/>
-          </a:prstGeom>
-        </p:spPr>
-      </p:pic>
-    </p:spTree>
-    <p:extLst>
-      <p:ext uri="{BB962C8B-B14F-4D97-AF65-F5344CB8AC3E}">
-        <p14:creationId xmlns:p14="http://schemas.microsoft.com/office/powerpoint/2010/main" val="3717801526"/>
-      </p:ext>
-    </p:extLst>
-  </p:cSld>
-  <p:clrMapOvr>
-    <a:masterClrMapping/>
-  </p:clrMapOvr>
-</p:sld>
-</file>
-
-<file path=ppt/slides/slide11.xml><?xml version="1.0" encoding="utf-8"?>
-<p:sld xmlns:a="http://schemas.openxmlformats.org/drawingml/2006/main" xmlns:r="http://schemas.openxmlformats.org/officeDocument/2006/relationships" xmlns:p="http://schemas.openxmlformats.org/presentationml/2006/main">
-  <p:cSld>
-    <p:spTree>
-      <p:nvGrpSpPr>
-        <p:cNvPr id="1" name=""/>
-        <p:cNvGrpSpPr/>
-        <p:nvPr/>
-      </p:nvGrpSpPr>
-      <p:grpSpPr>
-        <a:xfrm>
-          <a:off x="0" y="0"/>
-          <a:ext cx="0" cy="0"/>
-          <a:chOff x="0" y="0"/>
-          <a:chExt cx="0" cy="0"/>
-        </a:xfrm>
-      </p:grpSpPr>
-      <p:sp>
-        <p:nvSpPr>
-          <p:cNvPr id="2" name="Titre 1">
-            <a:extLst>
-              <a:ext uri="{FF2B5EF4-FFF2-40B4-BE49-F238E27FC236}">
-                <a16:creationId xmlns:a16="http://schemas.microsoft.com/office/drawing/2014/main" id="{1AC85383-55F9-4A13-A97D-33AA8B5F954B}"/>
-              </a:ext>
-            </a:extLst>
-          </p:cNvPr>
-          <p:cNvSpPr>
-            <a:spLocks noGrp="1"/>
-          </p:cNvSpPr>
-          <p:nvPr>
-            <p:ph type="title"/>
-          </p:nvPr>
-        </p:nvSpPr>
-        <p:spPr/>
-        <p:txBody>
-          <a:bodyPr/>
-          <a:lstStyle/>
-          <a:p>
-            <a:r>
-              <a:rPr lang="fr-FR" dirty="0"/>
-              <a:t>Appels en cascade asynchrone</a:t>
-            </a:r>
-          </a:p>
-        </p:txBody>
-      </p:sp>
-      <p:sp>
-        <p:nvSpPr>
-          <p:cNvPr id="3" name="Espace réservé du contenu 2">
-            <a:extLst>
-              <a:ext uri="{FF2B5EF4-FFF2-40B4-BE49-F238E27FC236}">
-                <a16:creationId xmlns:a16="http://schemas.microsoft.com/office/drawing/2014/main" id="{A56A44F0-77E4-4883-9EEE-1A8100EDCF9B}"/>
-              </a:ext>
-            </a:extLst>
-          </p:cNvPr>
-          <p:cNvSpPr>
-            <a:spLocks noGrp="1"/>
-          </p:cNvSpPr>
-          <p:nvPr>
-            <p:ph idx="1"/>
-          </p:nvPr>
-        </p:nvSpPr>
-        <p:spPr/>
-        <p:txBody>
-          <a:bodyPr/>
-          <a:lstStyle/>
-          <a:p>
-            <a:r>
-              <a:rPr lang="fr-FR" dirty="0"/>
-              <a:t>Création de tâche</a:t>
-            </a:r>
-          </a:p>
-        </p:txBody>
-      </p:sp>
-      <p:pic>
-        <p:nvPicPr>
-          <p:cNvPr id="4" name="Image 3">
-            <a:extLst>
-              <a:ext uri="{FF2B5EF4-FFF2-40B4-BE49-F238E27FC236}">
-                <a16:creationId xmlns:a16="http://schemas.microsoft.com/office/drawing/2014/main" id="{75C46125-52ED-49AC-A666-BBE0B0855A23}"/>
-              </a:ext>
-            </a:extLst>
-          </p:cNvPr>
-          <p:cNvPicPr>
-            <a:picLocks noChangeAspect="1"/>
-          </p:cNvPicPr>
-          <p:nvPr/>
-        </p:nvPicPr>
-        <p:blipFill>
-          <a:blip r:embed="rId2"/>
-          <a:stretch>
-            <a:fillRect/>
-          </a:stretch>
-        </p:blipFill>
-        <p:spPr>
-          <a:xfrm>
-            <a:off x="3707904" y="1156209"/>
-            <a:ext cx="4562475" cy="5095875"/>
-          </a:xfrm>
-          <a:prstGeom prst="rect">
-            <a:avLst/>
-          </a:prstGeom>
-        </p:spPr>
-      </p:pic>
-    </p:spTree>
-    <p:extLst>
-      <p:ext uri="{BB962C8B-B14F-4D97-AF65-F5344CB8AC3E}">
-        <p14:creationId xmlns:p14="http://schemas.microsoft.com/office/powerpoint/2010/main" val="1887391789"/>
-      </p:ext>
-    </p:extLst>
-  </p:cSld>
-  <p:clrMapOvr>
-    <a:masterClrMapping/>
-  </p:clrMapOvr>
-</p:sld>
-</file>
-
-<file path=ppt/slides/slide12.xml><?xml version="1.0" encoding="utf-8"?>
-<p:sld xmlns:a="http://schemas.openxmlformats.org/drawingml/2006/main" xmlns:r="http://schemas.openxmlformats.org/officeDocument/2006/relationships" xmlns:p="http://schemas.openxmlformats.org/presentationml/2006/main">
-  <p:cSld>
-    <p:spTree>
-      <p:nvGrpSpPr>
-        <p:cNvPr id="1" name=""/>
-        <p:cNvGrpSpPr/>
-        <p:nvPr/>
-      </p:nvGrpSpPr>
-      <p:grpSpPr>
-        <a:xfrm>
-          <a:off x="0" y="0"/>
-          <a:ext cx="0" cy="0"/>
-          <a:chOff x="0" y="0"/>
-          <a:chExt cx="0" cy="0"/>
-        </a:xfrm>
-      </p:grpSpPr>
-      <p:sp>
-        <p:nvSpPr>
-          <p:cNvPr id="2" name="Titre 1"/>
-          <p:cNvSpPr>
-            <a:spLocks noGrp="1"/>
-          </p:cNvSpPr>
-          <p:nvPr>
-            <p:ph type="title"/>
-          </p:nvPr>
-        </p:nvSpPr>
-        <p:spPr/>
-        <p:txBody>
-          <a:bodyPr/>
-          <a:lstStyle/>
-          <a:p>
-            <a:r>
-              <a:rPr lang="fr-FR" dirty="0" err="1"/>
-              <a:t>Async</a:t>
-            </a:r>
-            <a:r>
-              <a:rPr lang="fr-FR" dirty="0"/>
-              <a:t> </a:t>
-            </a:r>
-            <a:r>
-              <a:rPr lang="fr-FR" dirty="0" err="1"/>
-              <a:t>with</a:t>
-            </a:r>
-            <a:endParaRPr lang="fr-FR" dirty="0"/>
-          </a:p>
-        </p:txBody>
-      </p:sp>
-      <p:sp>
-        <p:nvSpPr>
-          <p:cNvPr id="3" name="Espace réservé du contenu 2"/>
-          <p:cNvSpPr>
-            <a:spLocks noGrp="1"/>
-          </p:cNvSpPr>
-          <p:nvPr>
-            <p:ph idx="1"/>
-          </p:nvPr>
-        </p:nvSpPr>
-        <p:spPr/>
-        <p:txBody>
-          <a:bodyPr/>
-          <a:lstStyle/>
-          <a:p>
-            <a:r>
-              <a:rPr lang="fr-FR" dirty="0"/>
-              <a:t>Utilisation de </a:t>
-            </a:r>
-            <a:r>
-              <a:rPr lang="fr-FR" dirty="0" err="1"/>
-              <a:t>async</a:t>
-            </a:r>
-            <a:r>
-              <a:rPr lang="fr-FR" dirty="0"/>
-              <a:t> avec un </a:t>
-            </a:r>
-            <a:r>
-              <a:rPr lang="fr-FR" dirty="0" err="1"/>
-              <a:t>context</a:t>
-            </a:r>
-            <a:r>
-              <a:rPr lang="fr-FR" dirty="0"/>
-              <a:t> manager</a:t>
-            </a:r>
-          </a:p>
-        </p:txBody>
-      </p:sp>
-      <p:pic>
-        <p:nvPicPr>
-          <p:cNvPr id="4" name="Image 3"/>
-          <p:cNvPicPr>
-            <a:picLocks noChangeAspect="1"/>
-          </p:cNvPicPr>
-          <p:nvPr/>
-        </p:nvPicPr>
-        <p:blipFill>
-          <a:blip r:embed="rId2"/>
-          <a:stretch>
-            <a:fillRect/>
-          </a:stretch>
-        </p:blipFill>
-        <p:spPr>
-          <a:xfrm>
-            <a:off x="1187624" y="2166168"/>
-            <a:ext cx="6858397" cy="4071144"/>
-          </a:xfrm>
-          <a:prstGeom prst="rect">
-            <a:avLst/>
-          </a:prstGeom>
-        </p:spPr>
-      </p:pic>
-    </p:spTree>
-    <p:extLst>
-      <p:ext uri="{BB962C8B-B14F-4D97-AF65-F5344CB8AC3E}">
-        <p14:creationId xmlns:p14="http://schemas.microsoft.com/office/powerpoint/2010/main" val="1463648995"/>
-      </p:ext>
-    </p:extLst>
-  </p:cSld>
-  <p:clrMapOvr>
-    <a:masterClrMapping/>
-  </p:clrMapOvr>
-</p:sld>
-</file>
-
 <file path=ppt/slides/slide2.xml><?xml version="1.0" encoding="utf-8"?>
 <p:sld xmlns:a="http://schemas.openxmlformats.org/drawingml/2006/main" xmlns:r="http://schemas.openxmlformats.org/officeDocument/2006/relationships" xmlns:p="http://schemas.openxmlformats.org/presentationml/2006/main">
   <p:cSld>
@@ -4903,291 +4236,10 @@
       </p:grpSpPr>
       <p:sp>
         <p:nvSpPr>
-          <p:cNvPr id="2" name="Titre 1"/>
-          <p:cNvSpPr>
-            <a:spLocks noGrp="1"/>
-          </p:cNvSpPr>
-          <p:nvPr>
-            <p:ph type="title"/>
-          </p:nvPr>
-        </p:nvSpPr>
-        <p:spPr/>
-        <p:txBody>
-          <a:bodyPr/>
-          <a:lstStyle/>
-          <a:p>
-            <a:r>
-              <a:rPr lang="fr-FR" dirty="0" err="1"/>
-              <a:t>Await</a:t>
-            </a:r>
-            <a:r>
-              <a:rPr lang="fr-FR" dirty="0"/>
-              <a:t> et </a:t>
-            </a:r>
-            <a:r>
-              <a:rPr lang="fr-FR" dirty="0" err="1"/>
-              <a:t>Async</a:t>
-            </a:r>
-            <a:endParaRPr lang="fr-FR" dirty="0"/>
-          </a:p>
-        </p:txBody>
-      </p:sp>
-      <p:sp>
-        <p:nvSpPr>
-          <p:cNvPr id="3" name="Espace réservé du contenu 2"/>
-          <p:cNvSpPr>
-            <a:spLocks noGrp="1"/>
-          </p:cNvSpPr>
-          <p:nvPr>
-            <p:ph idx="1"/>
-          </p:nvPr>
-        </p:nvSpPr>
-        <p:spPr/>
-        <p:txBody>
-          <a:bodyPr/>
-          <a:lstStyle/>
-          <a:p>
-            <a:r>
-              <a:rPr lang="fr-FR" dirty="0"/>
-              <a:t>Vocabulaire simplifié pour de la programmation asynchrone</a:t>
-            </a:r>
-          </a:p>
-          <a:p>
-            <a:pPr lvl="1"/>
-            <a:r>
-              <a:rPr lang="fr-FR"/>
-              <a:t>Python 3.5</a:t>
-            </a:r>
-            <a:endParaRPr lang="fr-FR" dirty="0"/>
-          </a:p>
-          <a:p>
-            <a:r>
-              <a:rPr lang="fr-FR" dirty="0" err="1"/>
-              <a:t>Async</a:t>
-            </a:r>
-            <a:endParaRPr lang="fr-FR" dirty="0"/>
-          </a:p>
-          <a:p>
-            <a:pPr lvl="1"/>
-            <a:r>
-              <a:rPr lang="fr-FR" dirty="0"/>
-              <a:t>Permet de spécifier une fonction asynchrone</a:t>
-            </a:r>
-          </a:p>
-          <a:p>
-            <a:pPr lvl="1"/>
-            <a:endParaRPr lang="fr-FR" dirty="0"/>
-          </a:p>
-          <a:p>
-            <a:endParaRPr lang="fr-FR" dirty="0"/>
-          </a:p>
-          <a:p>
-            <a:r>
-              <a:rPr lang="fr-FR" dirty="0" err="1"/>
-              <a:t>Await</a:t>
-            </a:r>
-            <a:endParaRPr lang="fr-FR" dirty="0"/>
-          </a:p>
-          <a:p>
-            <a:pPr lvl="1"/>
-            <a:r>
-              <a:rPr lang="fr-FR" dirty="0"/>
-              <a:t>Permet de suspendre l’exécution tant que l’appel </a:t>
-            </a:r>
-            <a:r>
-              <a:rPr lang="fr-FR" dirty="0" err="1"/>
-              <a:t>async</a:t>
-            </a:r>
-            <a:r>
-              <a:rPr lang="fr-FR" dirty="0"/>
-              <a:t> n’est pas terminé</a:t>
-            </a:r>
-          </a:p>
-          <a:p>
-            <a:pPr lvl="1"/>
-            <a:r>
-              <a:rPr lang="fr-FR" dirty="0" err="1"/>
-              <a:t>await</a:t>
-            </a:r>
-            <a:r>
-              <a:rPr lang="fr-FR" dirty="0"/>
-              <a:t> </a:t>
-            </a:r>
-            <a:r>
-              <a:rPr lang="fr-FR" dirty="0" err="1"/>
-              <a:t>coro</a:t>
-            </a:r>
-            <a:r>
-              <a:rPr lang="fr-FR" dirty="0"/>
-              <a:t>()</a:t>
-            </a:r>
-          </a:p>
-        </p:txBody>
-      </p:sp>
-      <p:pic>
-        <p:nvPicPr>
-          <p:cNvPr id="4" name="Image 3"/>
-          <p:cNvPicPr>
-            <a:picLocks noChangeAspect="1"/>
-          </p:cNvPicPr>
-          <p:nvPr/>
-        </p:nvPicPr>
-        <p:blipFill>
-          <a:blip r:embed="rId2"/>
-          <a:stretch>
-            <a:fillRect/>
-          </a:stretch>
-        </p:blipFill>
-        <p:spPr>
-          <a:xfrm>
-            <a:off x="2555776" y="3933056"/>
-            <a:ext cx="2972245" cy="720080"/>
-          </a:xfrm>
-          <a:prstGeom prst="rect">
-            <a:avLst/>
-          </a:prstGeom>
-        </p:spPr>
-      </p:pic>
-    </p:spTree>
-    <p:extLst>
-      <p:ext uri="{BB962C8B-B14F-4D97-AF65-F5344CB8AC3E}">
-        <p14:creationId xmlns:p14="http://schemas.microsoft.com/office/powerpoint/2010/main" val="2480226118"/>
-      </p:ext>
-    </p:extLst>
-  </p:cSld>
-  <p:clrMapOvr>
-    <a:masterClrMapping/>
-  </p:clrMapOvr>
-</p:sld>
-</file>
-
-<file path=ppt/slides/slide7.xml><?xml version="1.0" encoding="utf-8"?>
-<p:sld xmlns:a="http://schemas.openxmlformats.org/drawingml/2006/main" xmlns:r="http://schemas.openxmlformats.org/officeDocument/2006/relationships" xmlns:p="http://schemas.openxmlformats.org/presentationml/2006/main">
-  <p:cSld>
-    <p:spTree>
-      <p:nvGrpSpPr>
-        <p:cNvPr id="1" name=""/>
-        <p:cNvGrpSpPr/>
-        <p:nvPr/>
-      </p:nvGrpSpPr>
-      <p:grpSpPr>
-        <a:xfrm>
-          <a:off x="0" y="0"/>
-          <a:ext cx="0" cy="0"/>
-          <a:chOff x="0" y="0"/>
-          <a:chExt cx="0" cy="0"/>
-        </a:xfrm>
-      </p:grpSpPr>
-      <p:sp>
-        <p:nvSpPr>
-          <p:cNvPr id="2" name="Titre 1"/>
-          <p:cNvSpPr>
-            <a:spLocks noGrp="1"/>
-          </p:cNvSpPr>
-          <p:nvPr>
-            <p:ph type="title"/>
-          </p:nvPr>
-        </p:nvSpPr>
-        <p:spPr/>
-        <p:txBody>
-          <a:bodyPr/>
-          <a:lstStyle/>
-          <a:p>
-            <a:r>
-              <a:rPr lang="fr-FR" dirty="0" err="1"/>
-              <a:t>Async</a:t>
-            </a:r>
-            <a:r>
-              <a:rPr lang="fr-FR" dirty="0"/>
-              <a:t> et </a:t>
-            </a:r>
-            <a:r>
-              <a:rPr lang="fr-FR" dirty="0" err="1"/>
-              <a:t>await</a:t>
-            </a:r>
-            <a:endParaRPr lang="fr-FR" dirty="0"/>
-          </a:p>
-        </p:txBody>
-      </p:sp>
-      <p:sp>
-        <p:nvSpPr>
-          <p:cNvPr id="3" name="Espace réservé du contenu 2"/>
-          <p:cNvSpPr>
-            <a:spLocks noGrp="1"/>
-          </p:cNvSpPr>
-          <p:nvPr>
-            <p:ph idx="1"/>
-          </p:nvPr>
-        </p:nvSpPr>
-        <p:spPr/>
-        <p:txBody>
-          <a:bodyPr/>
-          <a:lstStyle/>
-          <a:p>
-            <a:endParaRPr lang="fr-FR"/>
-          </a:p>
-        </p:txBody>
-      </p:sp>
-      <p:pic>
-        <p:nvPicPr>
-          <p:cNvPr id="4" name="Image 3"/>
-          <p:cNvPicPr>
-            <a:picLocks noChangeAspect="1"/>
-          </p:cNvPicPr>
-          <p:nvPr/>
-        </p:nvPicPr>
-        <p:blipFill>
-          <a:blip r:embed="rId2"/>
-          <a:stretch>
-            <a:fillRect/>
-          </a:stretch>
-        </p:blipFill>
-        <p:spPr>
-          <a:xfrm>
-            <a:off x="1195680" y="1156209"/>
-            <a:ext cx="7133744" cy="5436257"/>
-          </a:xfrm>
-          <a:prstGeom prst="rect">
-            <a:avLst/>
-          </a:prstGeom>
-        </p:spPr>
-      </p:pic>
-    </p:spTree>
-    <p:extLst>
-      <p:ext uri="{BB962C8B-B14F-4D97-AF65-F5344CB8AC3E}">
-        <p14:creationId xmlns:p14="http://schemas.microsoft.com/office/powerpoint/2010/main" val="841109094"/>
-      </p:ext>
-    </p:extLst>
-  </p:cSld>
-  <p:clrMapOvr>
-    <a:masterClrMapping/>
-  </p:clrMapOvr>
-</p:sld>
-</file>
-
-<file path=ppt/slides/slide8.xml><?xml version="1.0" encoding="utf-8"?>
-<p:sld xmlns:a="http://schemas.openxmlformats.org/drawingml/2006/main" xmlns:r="http://schemas.openxmlformats.org/officeDocument/2006/relationships" xmlns:p="http://schemas.openxmlformats.org/presentationml/2006/main">
-  <p:cSld>
-    <p:spTree>
-      <p:nvGrpSpPr>
-        <p:cNvPr id="1" name=""/>
-        <p:cNvGrpSpPr/>
-        <p:nvPr/>
-      </p:nvGrpSpPr>
-      <p:grpSpPr>
-        <a:xfrm>
-          <a:off x="0" y="0"/>
-          <a:ext cx="0" cy="0"/>
-          <a:chOff x="0" y="0"/>
-          <a:chExt cx="0" cy="0"/>
-        </a:xfrm>
-      </p:grpSpPr>
-      <p:sp>
-        <p:nvSpPr>
           <p:cNvPr id="2" name="Titre 1">
             <a:extLst>
               <a:ext uri="{FF2B5EF4-FFF2-40B4-BE49-F238E27FC236}">
-                <a16:creationId xmlns:a16="http://schemas.microsoft.com/office/drawing/2014/main" id="{8C009F35-1AA2-4206-8F19-7C2A13E5A9EB}"/>
+                <a16:creationId xmlns:a16="http://schemas.microsoft.com/office/drawing/2014/main" id="{A6F6A1DD-CFE7-B8BB-6AB0-CE96BAE57DBA}"/>
               </a:ext>
             </a:extLst>
           </p:cNvPr>
@@ -5205,15 +4257,7 @@
           <a:p>
             <a:r>
               <a:rPr lang="fr-FR" dirty="0" err="1"/>
-              <a:t>async</a:t>
-            </a:r>
-            <a:r>
-              <a:rPr lang="fr-FR" dirty="0"/>
-              <a:t> / </a:t>
-            </a:r>
-            <a:r>
-              <a:rPr lang="fr-FR" dirty="0" err="1"/>
-              <a:t>await</a:t>
+              <a:t>Councurent</a:t>
             </a:r>
             <a:endParaRPr lang="fr-FR" dirty="0"/>
           </a:p>
@@ -5224,7 +4268,7 @@
           <p:cNvPr id="3" name="Espace réservé du contenu 2">
             <a:extLst>
               <a:ext uri="{FF2B5EF4-FFF2-40B4-BE49-F238E27FC236}">
-                <a16:creationId xmlns:a16="http://schemas.microsoft.com/office/drawing/2014/main" id="{9AB45FC8-FB39-4EFD-9E2A-15EF83610D58}"/>
+                <a16:creationId xmlns:a16="http://schemas.microsoft.com/office/drawing/2014/main" id="{4CA548FC-EDA6-E87B-6755-00C2D9F1EF0C}"/>
               </a:ext>
             </a:extLst>
           </p:cNvPr>
@@ -5241,392 +4285,37 @@
           <a:lstStyle/>
           <a:p>
             <a:r>
+              <a:rPr lang="fr-FR" dirty="0"/>
+              <a:t>Import </a:t>
+            </a:r>
+            <a:r>
               <a:rPr lang="fr-FR" dirty="0" err="1"/>
-              <a:t>asyncio</a:t>
-            </a:r>
-            <a:r>
-              <a:rPr lang="fr-FR" dirty="0"/>
-              <a:t> est une bibliothèque permettant de faire de la programmation asynchrone en utilisant la syntaxe </a:t>
-            </a:r>
+              <a:t>concurent</a:t>
+            </a:r>
+            <a:endParaRPr lang="fr-FR" dirty="0"/>
+          </a:p>
+          <a:p>
+            <a:pPr lvl="1"/>
             <a:r>
               <a:rPr lang="fr-FR" dirty="0" err="1"/>
-              <a:t>async</a:t>
-            </a:r>
-            <a:r>
-              <a:rPr lang="fr-FR" dirty="0"/>
-              <a:t>/</a:t>
-            </a:r>
-            <a:r>
-              <a:rPr lang="fr-FR" dirty="0" err="1"/>
-              <a:t>await</a:t>
+              <a:t>ThreadPoolExecutor</a:t>
             </a:r>
             <a:endParaRPr lang="fr-FR" dirty="0"/>
           </a:p>
           <a:p>
             <a:pPr lvl="1"/>
             <a:r>
-              <a:rPr lang="fr-FR" dirty="0"/>
-              <a:t>Coroutines</a:t>
-            </a:r>
-          </a:p>
-          <a:p>
-            <a:pPr lvl="1"/>
-            <a:r>
-              <a:rPr lang="fr-FR" dirty="0"/>
-              <a:t>Code asynchrone</a:t>
-            </a:r>
-          </a:p>
-          <a:p>
+              <a:rPr lang="fr-FR"/>
+              <a:t>ProcessPoolExecutor</a:t>
+            </a:r>
             <a:endParaRPr lang="fr-FR" dirty="0"/>
-          </a:p>
-          <a:p>
-            <a:pPr marL="400050" lvl="1" indent="0">
-              <a:buNone/>
-            </a:pPr>
-            <a:r>
-              <a:rPr lang="fr-FR" sz="1800" dirty="0">
-                <a:latin typeface="Courier New" panose="02070309020205020404" pitchFamily="49" charset="0"/>
-                <a:cs typeface="Courier New" panose="02070309020205020404" pitchFamily="49" charset="0"/>
-              </a:rPr>
-              <a:t>import </a:t>
-            </a:r>
-            <a:r>
-              <a:rPr lang="fr-FR" sz="1800" dirty="0" err="1">
-                <a:latin typeface="Courier New" panose="02070309020205020404" pitchFamily="49" charset="0"/>
-                <a:cs typeface="Courier New" panose="02070309020205020404" pitchFamily="49" charset="0"/>
-              </a:rPr>
-              <a:t>asyncio</a:t>
-            </a:r>
-            <a:endParaRPr lang="fr-FR" sz="1800" dirty="0">
-              <a:latin typeface="Courier New" panose="02070309020205020404" pitchFamily="49" charset="0"/>
-              <a:cs typeface="Courier New" panose="02070309020205020404" pitchFamily="49" charset="0"/>
-            </a:endParaRPr>
-          </a:p>
-          <a:p>
-            <a:pPr marL="400050" lvl="1" indent="0">
-              <a:buNone/>
-            </a:pPr>
-            <a:r>
-              <a:rPr lang="fr-FR" sz="1800" dirty="0" err="1">
-                <a:latin typeface="Courier New" panose="02070309020205020404" pitchFamily="49" charset="0"/>
-                <a:cs typeface="Courier New" panose="02070309020205020404" pitchFamily="49" charset="0"/>
-              </a:rPr>
-              <a:t>async</a:t>
-            </a:r>
-            <a:r>
-              <a:rPr lang="fr-FR" sz="1800" dirty="0">
-                <a:latin typeface="Courier New" panose="02070309020205020404" pitchFamily="49" charset="0"/>
-                <a:cs typeface="Courier New" panose="02070309020205020404" pitchFamily="49" charset="0"/>
-              </a:rPr>
-              <a:t> </a:t>
-            </a:r>
-            <a:r>
-              <a:rPr lang="fr-FR" sz="1800" dirty="0" err="1">
-                <a:latin typeface="Courier New" panose="02070309020205020404" pitchFamily="49" charset="0"/>
-                <a:cs typeface="Courier New" panose="02070309020205020404" pitchFamily="49" charset="0"/>
-              </a:rPr>
-              <a:t>def</a:t>
-            </a:r>
-            <a:r>
-              <a:rPr lang="fr-FR" sz="1800" dirty="0">
-                <a:latin typeface="Courier New" panose="02070309020205020404" pitchFamily="49" charset="0"/>
-                <a:cs typeface="Courier New" panose="02070309020205020404" pitchFamily="49" charset="0"/>
-              </a:rPr>
-              <a:t> main():</a:t>
-            </a:r>
-          </a:p>
-          <a:p>
-            <a:pPr marL="400050" lvl="1" indent="0">
-              <a:buNone/>
-            </a:pPr>
-            <a:r>
-              <a:rPr lang="fr-FR" sz="1800" dirty="0">
-                <a:latin typeface="Courier New" panose="02070309020205020404" pitchFamily="49" charset="0"/>
-                <a:cs typeface="Courier New" panose="02070309020205020404" pitchFamily="49" charset="0"/>
-              </a:rPr>
-              <a:t>    </a:t>
-            </a:r>
-            <a:r>
-              <a:rPr lang="fr-FR" sz="1800" dirty="0" err="1">
-                <a:latin typeface="Courier New" panose="02070309020205020404" pitchFamily="49" charset="0"/>
-                <a:cs typeface="Courier New" panose="02070309020205020404" pitchFamily="49" charset="0"/>
-              </a:rPr>
-              <a:t>print</a:t>
-            </a:r>
-            <a:r>
-              <a:rPr lang="fr-FR" sz="1800" dirty="0">
-                <a:latin typeface="Courier New" panose="02070309020205020404" pitchFamily="49" charset="0"/>
-                <a:cs typeface="Courier New" panose="02070309020205020404" pitchFamily="49" charset="0"/>
-              </a:rPr>
-              <a:t>('hello')</a:t>
-            </a:r>
-          </a:p>
-          <a:p>
-            <a:pPr marL="400050" lvl="1" indent="0">
-              <a:buNone/>
-            </a:pPr>
-            <a:r>
-              <a:rPr lang="fr-FR" sz="1800" dirty="0">
-                <a:latin typeface="Courier New" panose="02070309020205020404" pitchFamily="49" charset="0"/>
-                <a:cs typeface="Courier New" panose="02070309020205020404" pitchFamily="49" charset="0"/>
-              </a:rPr>
-              <a:t>    </a:t>
-            </a:r>
-            <a:r>
-              <a:rPr lang="fr-FR" sz="1800" dirty="0" err="1">
-                <a:latin typeface="Courier New" panose="02070309020205020404" pitchFamily="49" charset="0"/>
-                <a:cs typeface="Courier New" panose="02070309020205020404" pitchFamily="49" charset="0"/>
-              </a:rPr>
-              <a:t>await</a:t>
-            </a:r>
-            <a:r>
-              <a:rPr lang="fr-FR" sz="1800" dirty="0">
-                <a:latin typeface="Courier New" panose="02070309020205020404" pitchFamily="49" charset="0"/>
-                <a:cs typeface="Courier New" panose="02070309020205020404" pitchFamily="49" charset="0"/>
-              </a:rPr>
-              <a:t> </a:t>
-            </a:r>
-            <a:r>
-              <a:rPr lang="fr-FR" sz="1800" dirty="0" err="1">
-                <a:latin typeface="Courier New" panose="02070309020205020404" pitchFamily="49" charset="0"/>
-                <a:cs typeface="Courier New" panose="02070309020205020404" pitchFamily="49" charset="0"/>
-              </a:rPr>
-              <a:t>asyncio.sleep</a:t>
-            </a:r>
-            <a:r>
-              <a:rPr lang="fr-FR" sz="1800" dirty="0">
-                <a:latin typeface="Courier New" panose="02070309020205020404" pitchFamily="49" charset="0"/>
-                <a:cs typeface="Courier New" panose="02070309020205020404" pitchFamily="49" charset="0"/>
-              </a:rPr>
-              <a:t>(1)</a:t>
-            </a:r>
-          </a:p>
-          <a:p>
-            <a:pPr marL="400050" lvl="1" indent="0">
-              <a:buNone/>
-            </a:pPr>
-            <a:r>
-              <a:rPr lang="fr-FR" sz="1800" dirty="0">
-                <a:latin typeface="Courier New" panose="02070309020205020404" pitchFamily="49" charset="0"/>
-                <a:cs typeface="Courier New" panose="02070309020205020404" pitchFamily="49" charset="0"/>
-              </a:rPr>
-              <a:t>    </a:t>
-            </a:r>
-            <a:r>
-              <a:rPr lang="fr-FR" sz="1800" dirty="0" err="1">
-                <a:latin typeface="Courier New" panose="02070309020205020404" pitchFamily="49" charset="0"/>
-                <a:cs typeface="Courier New" panose="02070309020205020404" pitchFamily="49" charset="0"/>
-              </a:rPr>
-              <a:t>print</a:t>
-            </a:r>
-            <a:r>
-              <a:rPr lang="fr-FR" sz="1800" dirty="0">
-                <a:latin typeface="Courier New" panose="02070309020205020404" pitchFamily="49" charset="0"/>
-                <a:cs typeface="Courier New" panose="02070309020205020404" pitchFamily="49" charset="0"/>
-              </a:rPr>
-              <a:t>('world')</a:t>
-            </a:r>
-          </a:p>
-          <a:p>
-            <a:pPr marL="400050" lvl="1" indent="0">
-              <a:buNone/>
-            </a:pPr>
-            <a:r>
-              <a:rPr lang="fr-FR" sz="1800" dirty="0" err="1">
-                <a:latin typeface="Courier New" panose="02070309020205020404" pitchFamily="49" charset="0"/>
-                <a:cs typeface="Courier New" panose="02070309020205020404" pitchFamily="49" charset="0"/>
-              </a:rPr>
-              <a:t>asyncio.run</a:t>
-            </a:r>
-            <a:r>
-              <a:rPr lang="fr-FR" sz="1800" dirty="0">
-                <a:latin typeface="Courier New" panose="02070309020205020404" pitchFamily="49" charset="0"/>
-                <a:cs typeface="Courier New" panose="02070309020205020404" pitchFamily="49" charset="0"/>
-              </a:rPr>
-              <a:t>(main())</a:t>
-            </a:r>
-          </a:p>
-          <a:p>
-            <a:pPr marL="400050" lvl="1" indent="0">
-              <a:buNone/>
-            </a:pPr>
-            <a:endParaRPr lang="fr-FR" sz="1800" dirty="0">
-              <a:latin typeface="Courier New" panose="02070309020205020404" pitchFamily="49" charset="0"/>
-              <a:cs typeface="Courier New" panose="02070309020205020404" pitchFamily="49" charset="0"/>
-            </a:endParaRPr>
           </a:p>
         </p:txBody>
       </p:sp>
     </p:spTree>
     <p:extLst>
       <p:ext uri="{BB962C8B-B14F-4D97-AF65-F5344CB8AC3E}">
-        <p14:creationId xmlns:p14="http://schemas.microsoft.com/office/powerpoint/2010/main" val="4271714038"/>
-      </p:ext>
-    </p:extLst>
-  </p:cSld>
-  <p:clrMapOvr>
-    <a:masterClrMapping/>
-  </p:clrMapOvr>
-</p:sld>
-</file>
-
-<file path=ppt/slides/slide9.xml><?xml version="1.0" encoding="utf-8"?>
-<p:sld xmlns:a="http://schemas.openxmlformats.org/drawingml/2006/main" xmlns:r="http://schemas.openxmlformats.org/officeDocument/2006/relationships" xmlns:p="http://schemas.openxmlformats.org/presentationml/2006/main">
-  <p:cSld>
-    <p:spTree>
-      <p:nvGrpSpPr>
-        <p:cNvPr id="1" name=""/>
-        <p:cNvGrpSpPr/>
-        <p:nvPr/>
-      </p:nvGrpSpPr>
-      <p:grpSpPr>
-        <a:xfrm>
-          <a:off x="0" y="0"/>
-          <a:ext cx="0" cy="0"/>
-          <a:chOff x="0" y="0"/>
-          <a:chExt cx="0" cy="0"/>
-        </a:xfrm>
-      </p:grpSpPr>
-      <p:sp>
-        <p:nvSpPr>
-          <p:cNvPr id="2" name="Titre 1">
-            <a:extLst>
-              <a:ext uri="{FF2B5EF4-FFF2-40B4-BE49-F238E27FC236}">
-                <a16:creationId xmlns:a16="http://schemas.microsoft.com/office/drawing/2014/main" id="{FFD51B03-F740-45BC-A966-6D7A3472A782}"/>
-              </a:ext>
-            </a:extLst>
-          </p:cNvPr>
-          <p:cNvSpPr>
-            <a:spLocks noGrp="1"/>
-          </p:cNvSpPr>
-          <p:nvPr>
-            <p:ph type="title"/>
-          </p:nvPr>
-        </p:nvSpPr>
-        <p:spPr/>
-        <p:txBody>
-          <a:bodyPr/>
-          <a:lstStyle/>
-          <a:p>
-            <a:r>
-              <a:rPr lang="fr-FR" dirty="0"/>
-              <a:t>Coroutines</a:t>
-            </a:r>
-          </a:p>
-        </p:txBody>
-      </p:sp>
-      <p:sp>
-        <p:nvSpPr>
-          <p:cNvPr id="3" name="Espace réservé du contenu 2">
-            <a:extLst>
-              <a:ext uri="{FF2B5EF4-FFF2-40B4-BE49-F238E27FC236}">
-                <a16:creationId xmlns:a16="http://schemas.microsoft.com/office/drawing/2014/main" id="{3AB7B443-D042-4513-AB98-59CB5E351CA1}"/>
-              </a:ext>
-            </a:extLst>
-          </p:cNvPr>
-          <p:cNvSpPr>
-            <a:spLocks noGrp="1"/>
-          </p:cNvSpPr>
-          <p:nvPr>
-            <p:ph idx="1"/>
-          </p:nvPr>
-        </p:nvSpPr>
-        <p:spPr/>
-        <p:txBody>
-          <a:bodyPr/>
-          <a:lstStyle/>
-          <a:p>
-            <a:r>
-              <a:rPr lang="fr-FR" sz="2400" dirty="0"/>
-              <a:t>Appeler une coroutine ne la planifie pas pour exécution</a:t>
-            </a:r>
-          </a:p>
-          <a:p>
-            <a:pPr marL="457200" lvl="1" indent="0">
-              <a:buNone/>
-            </a:pPr>
-            <a:r>
-              <a:rPr lang="en-US" sz="1800" dirty="0">
-                <a:latin typeface="Courier New" panose="02070309020205020404" pitchFamily="49" charset="0"/>
-                <a:cs typeface="Courier New" panose="02070309020205020404" pitchFamily="49" charset="0"/>
-              </a:rPr>
-              <a:t>main()</a:t>
-            </a:r>
-          </a:p>
-          <a:p>
-            <a:pPr marL="457200" lvl="1" indent="0">
-              <a:buNone/>
-            </a:pPr>
-            <a:r>
-              <a:rPr lang="en-US" sz="1800" dirty="0">
-                <a:latin typeface="Courier New" panose="02070309020205020404" pitchFamily="49" charset="0"/>
-                <a:cs typeface="Courier New" panose="02070309020205020404" pitchFamily="49" charset="0"/>
-              </a:rPr>
-              <a:t>&lt;coroutine object main at 0x1053bb7c8&gt;</a:t>
-            </a:r>
-          </a:p>
-          <a:p>
-            <a:pPr marL="457200" lvl="1" indent="0">
-              <a:buNone/>
-            </a:pPr>
-            <a:endParaRPr lang="en-US" sz="1800" dirty="0">
-              <a:latin typeface="Courier New" panose="02070309020205020404" pitchFamily="49" charset="0"/>
-              <a:cs typeface="Courier New" panose="02070309020205020404" pitchFamily="49" charset="0"/>
-            </a:endParaRPr>
-          </a:p>
-          <a:p>
-            <a:r>
-              <a:rPr lang="fr-FR" sz="2200" dirty="0"/>
-              <a:t>S'appel avec </a:t>
-            </a:r>
-            <a:r>
-              <a:rPr lang="fr-FR" sz="2200" dirty="0" err="1"/>
-              <a:t>asyncio.run</a:t>
-            </a:r>
-            <a:r>
-              <a:rPr lang="fr-FR" sz="2200" dirty="0"/>
-              <a:t>()</a:t>
-            </a:r>
-          </a:p>
-          <a:p>
-            <a:pPr marL="457200" lvl="1" indent="0">
-              <a:buNone/>
-            </a:pPr>
-            <a:endParaRPr lang="fr-FR" sz="1800" dirty="0">
-              <a:latin typeface="Courier New" panose="02070309020205020404" pitchFamily="49" charset="0"/>
-              <a:cs typeface="Courier New" panose="02070309020205020404" pitchFamily="49" charset="0"/>
-            </a:endParaRPr>
-          </a:p>
-          <a:p>
-            <a:pPr marL="400050" lvl="1" indent="0">
-              <a:buNone/>
-            </a:pPr>
-            <a:endParaRPr lang="fr-FR" sz="1800" dirty="0">
-              <a:latin typeface="Courier New" panose="02070309020205020404" pitchFamily="49" charset="0"/>
-              <a:cs typeface="Courier New" panose="02070309020205020404" pitchFamily="49" charset="0"/>
-            </a:endParaRPr>
-          </a:p>
-          <a:p>
-            <a:pPr marL="400050" lvl="1" indent="0">
-              <a:buNone/>
-            </a:pPr>
-            <a:r>
-              <a:rPr lang="fr-FR" sz="1800" dirty="0">
-                <a:latin typeface="Courier New" panose="02070309020205020404" pitchFamily="49" charset="0"/>
-                <a:cs typeface="Courier New" panose="02070309020205020404" pitchFamily="49" charset="0"/>
-              </a:rPr>
-              <a:t>	</a:t>
-            </a:r>
-          </a:p>
-          <a:p>
-            <a:endParaRPr lang="fr-FR" dirty="0"/>
-          </a:p>
-        </p:txBody>
-      </p:sp>
-    </p:spTree>
-    <p:extLst>
-      <p:ext uri="{BB962C8B-B14F-4D97-AF65-F5344CB8AC3E}">
-        <p14:creationId xmlns:p14="http://schemas.microsoft.com/office/powerpoint/2010/main" val="3709929720"/>
+        <p14:creationId xmlns:p14="http://schemas.microsoft.com/office/powerpoint/2010/main" val="1645508162"/>
       </p:ext>
     </p:extLst>
   </p:cSld>

--- a/ppt/Python21-Threading.pptx
+++ b/ppt/Python21-Threading.pptx
@@ -4257,7 +4257,7 @@
           <a:p>
             <a:r>
               <a:rPr lang="fr-FR" dirty="0" err="1"/>
-              <a:t>Councurent</a:t>
+              <a:t>Concurent</a:t>
             </a:r>
             <a:endParaRPr lang="fr-FR" dirty="0"/>
           </a:p>
